--- a/Java8/CH02_BehaviorParameterization/Behavior_Parameterization.pptx
+++ b/Java8/CH02_BehaviorParameterization/Behavior_Parameterization.pptx
@@ -6,18 +6,19 @@
   </p:sldMasterIdLst>
   <p:sldIdLst>
     <p:sldId id="265" r:id="rId3"/>
-    <p:sldId id="268" r:id="rId4"/>
-    <p:sldId id="269" r:id="rId5"/>
-    <p:sldId id="270" r:id="rId6"/>
-    <p:sldId id="271" r:id="rId7"/>
-    <p:sldId id="272" r:id="rId8"/>
-    <p:sldId id="273" r:id="rId9"/>
-    <p:sldId id="276" r:id="rId10"/>
-    <p:sldId id="275" r:id="rId11"/>
-    <p:sldId id="277" r:id="rId12"/>
-    <p:sldId id="278" r:id="rId13"/>
-    <p:sldId id="279" r:id="rId14"/>
-    <p:sldId id="280" r:id="rId15"/>
+    <p:sldId id="282" r:id="rId4"/>
+    <p:sldId id="268" r:id="rId5"/>
+    <p:sldId id="269" r:id="rId6"/>
+    <p:sldId id="270" r:id="rId7"/>
+    <p:sldId id="271" r:id="rId8"/>
+    <p:sldId id="272" r:id="rId9"/>
+    <p:sldId id="273" r:id="rId10"/>
+    <p:sldId id="276" r:id="rId11"/>
+    <p:sldId id="275" r:id="rId12"/>
+    <p:sldId id="277" r:id="rId13"/>
+    <p:sldId id="278" r:id="rId14"/>
+    <p:sldId id="279" r:id="rId15"/>
+    <p:sldId id="280" r:id="rId16"/>
   </p:sldIdLst>
   <p:sldSz cx="12192000" cy="6858000"/>
   <p:notesSz cx="6858000" cy="9144000"/>
@@ -2994,6 +2995,102 @@
             <p:ph type="title"/>
           </p:nvPr>
         </p:nvSpPr>
+        <p:spPr>
+          <a:xfrm>
+            <a:off x="554990" y="3065145"/>
+            <a:ext cx="10515600" cy="1325563"/>
+          </a:xfrm>
+        </p:spPr>
+        <p:txBody>
+          <a:bodyPr/>
+          <a:p>
+            <a:r>
+              <a:rPr lang="en-US"/>
+              <a:t>Client code</a:t>
+            </a:r>
+            <a:endParaRPr lang="en-US"/>
+          </a:p>
+        </p:txBody>
+      </p:sp>
+      <p:pic>
+        <p:nvPicPr>
+          <p:cNvPr id="4" name="Content Placeholder 3"/>
+          <p:cNvPicPr>
+            <a:picLocks noChangeAspect="1"/>
+          </p:cNvPicPr>
+          <p:nvPr>
+            <p:ph idx="1"/>
+          </p:nvPr>
+        </p:nvPicPr>
+        <p:blipFill>
+          <a:blip r:embed="rId1"/>
+          <a:srcRect r="7569"/>
+          <a:stretch>
+            <a:fillRect/>
+          </a:stretch>
+        </p:blipFill>
+        <p:spPr>
+          <a:xfrm>
+            <a:off x="4099560" y="39370"/>
+            <a:ext cx="5560695" cy="4351655"/>
+          </a:xfrm>
+          <a:prstGeom prst="rect">
+            <a:avLst/>
+          </a:prstGeom>
+        </p:spPr>
+      </p:pic>
+      <p:pic>
+        <p:nvPicPr>
+          <p:cNvPr id="5" name="Picture 4"/>
+          <p:cNvPicPr>
+            <a:picLocks noChangeAspect="1"/>
+          </p:cNvPicPr>
+          <p:nvPr/>
+        </p:nvPicPr>
+        <p:blipFill>
+          <a:blip r:embed="rId2"/>
+          <a:stretch>
+            <a:fillRect/>
+          </a:stretch>
+        </p:blipFill>
+        <p:spPr>
+          <a:xfrm>
+            <a:off x="-179070" y="3204845"/>
+            <a:ext cx="10198100" cy="4152900"/>
+          </a:xfrm>
+          <a:prstGeom prst="rect">
+            <a:avLst/>
+          </a:prstGeom>
+        </p:spPr>
+      </p:pic>
+    </p:spTree>
+  </p:cSld>
+  <p:clrMapOvr>
+    <a:masterClrMapping/>
+  </p:clrMapOvr>
+</p:sld>
+</file>
+
+<file path=ppt/slides/slide11.xml><?xml version="1.0" encoding="utf-8"?>
+<p:sld xmlns:a="http://schemas.openxmlformats.org/drawingml/2006/main" xmlns:r="http://schemas.openxmlformats.org/officeDocument/2006/relationships" xmlns:p="http://schemas.openxmlformats.org/presentationml/2006/main">
+  <p:cSld>
+    <p:spTree>
+      <p:nvGrpSpPr>
+        <p:cNvPr id="1" name=""/>
+        <p:cNvGrpSpPr/>
+        <p:nvPr/>
+      </p:nvGrpSpPr>
+      <p:grpSpPr/>
+      <p:sp>
+        <p:nvSpPr>
+          <p:cNvPr id="2" name="Title 1"/>
+          <p:cNvSpPr>
+            <a:spLocks noGrp="1"/>
+          </p:cNvSpPr>
+          <p:nvPr>
+            <p:ph type="title"/>
+          </p:nvPr>
+        </p:nvSpPr>
         <p:spPr/>
         <p:txBody>
           <a:bodyPr/>
@@ -3064,7 +3161,7 @@
 </p:sld>
 </file>
 
-<file path=ppt/slides/slide11.xml><?xml version="1.0" encoding="utf-8"?>
+<file path=ppt/slides/slide12.xml><?xml version="1.0" encoding="utf-8"?>
 <p:sld xmlns:a="http://schemas.openxmlformats.org/drawingml/2006/main" xmlns:r="http://schemas.openxmlformats.org/officeDocument/2006/relationships" xmlns:p="http://schemas.openxmlformats.org/presentationml/2006/main">
   <p:cSld>
     <p:spTree>
@@ -3145,7 +3242,7 @@
 </p:sld>
 </file>
 
-<file path=ppt/slides/slide12.xml><?xml version="1.0" encoding="utf-8"?>
+<file path=ppt/slides/slide13.xml><?xml version="1.0" encoding="utf-8"?>
 <p:sld xmlns:a="http://schemas.openxmlformats.org/drawingml/2006/main" xmlns:r="http://schemas.openxmlformats.org/officeDocument/2006/relationships" xmlns:p="http://schemas.openxmlformats.org/presentationml/2006/main">
   <p:cSld>
     <p:spTree>
@@ -3211,7 +3308,7 @@
 </p:sld>
 </file>
 
-<file path=ppt/slides/slide13.xml><?xml version="1.0" encoding="utf-8"?>
+<file path=ppt/slides/slide14.xml><?xml version="1.0" encoding="utf-8"?>
 <p:sld xmlns:a="http://schemas.openxmlformats.org/drawingml/2006/main" xmlns:r="http://schemas.openxmlformats.org/officeDocument/2006/relationships" xmlns:p="http://schemas.openxmlformats.org/presentationml/2006/main">
   <p:cSld>
     <p:spTree>
@@ -3298,39 +3395,47 @@
             <a:spLocks noGrp="1"/>
           </p:cNvSpPr>
           <p:nvPr>
-            <p:ph type="ctrTitle"/>
-          </p:nvPr>
-        </p:nvSpPr>
-        <p:spPr/>
-        <p:txBody>
-          <a:bodyPr/>
-          <a:p>
-            <a:r>
-              <a:rPr lang="en-US"/>
-              <a:t>Evolution of a problem and requirement</a:t>
-            </a:r>
-            <a:endParaRPr lang="en-US"/>
-          </a:p>
-        </p:txBody>
-      </p:sp>
-      <p:sp>
-        <p:nvSpPr>
-          <p:cNvPr id="3" name="Subtitle 2"/>
-          <p:cNvSpPr>
-            <a:spLocks noGrp="1"/>
-          </p:cNvSpPr>
-          <p:nvPr>
-            <p:ph type="subTitle" idx="1"/>
-          </p:nvPr>
-        </p:nvSpPr>
-        <p:spPr/>
-        <p:txBody>
-          <a:bodyPr/>
-          <a:p>
-            <a:endParaRPr lang="en-US"/>
-          </a:p>
-        </p:txBody>
-      </p:sp>
+            <p:ph type="title"/>
+          </p:nvPr>
+        </p:nvSpPr>
+        <p:spPr/>
+        <p:txBody>
+          <a:bodyPr/>
+          <a:p>
+            <a:r>
+              <a:rPr lang="en-US"/>
+              <a:t>SUMMARY</a:t>
+            </a:r>
+            <a:endParaRPr lang="en-US"/>
+          </a:p>
+        </p:txBody>
+      </p:sp>
+      <p:pic>
+        <p:nvPicPr>
+          <p:cNvPr id="4" name="Content Placeholder 3"/>
+          <p:cNvPicPr>
+            <a:picLocks noChangeAspect="1"/>
+          </p:cNvPicPr>
+          <p:nvPr>
+            <p:ph idx="1"/>
+          </p:nvPr>
+        </p:nvPicPr>
+        <p:blipFill>
+          <a:blip r:embed="rId1"/>
+          <a:stretch>
+            <a:fillRect/>
+          </a:stretch>
+        </p:blipFill>
+        <p:spPr>
+          <a:xfrm>
+            <a:off x="838200" y="1953260"/>
+            <a:ext cx="8750300" cy="3441700"/>
+          </a:xfrm>
+          <a:prstGeom prst="rect">
+            <a:avLst/>
+          </a:prstGeom>
+        </p:spPr>
+      </p:pic>
     </p:spTree>
   </p:cSld>
   <p:clrMapOvr>
@@ -3340,6 +3445,64 @@
 </file>
 
 <file path=ppt/slides/slide3.xml><?xml version="1.0" encoding="utf-8"?>
+<p:sld xmlns:a="http://schemas.openxmlformats.org/drawingml/2006/main" xmlns:r="http://schemas.openxmlformats.org/officeDocument/2006/relationships" xmlns:p="http://schemas.openxmlformats.org/presentationml/2006/main">
+  <p:cSld>
+    <p:spTree>
+      <p:nvGrpSpPr>
+        <p:cNvPr id="1" name=""/>
+        <p:cNvGrpSpPr/>
+        <p:nvPr/>
+      </p:nvGrpSpPr>
+      <p:grpSpPr/>
+      <p:sp>
+        <p:nvSpPr>
+          <p:cNvPr id="2" name="Title 1"/>
+          <p:cNvSpPr>
+            <a:spLocks noGrp="1"/>
+          </p:cNvSpPr>
+          <p:nvPr>
+            <p:ph type="ctrTitle"/>
+          </p:nvPr>
+        </p:nvSpPr>
+        <p:spPr/>
+        <p:txBody>
+          <a:bodyPr/>
+          <a:p>
+            <a:r>
+              <a:rPr lang="en-US"/>
+              <a:t>Evolution of a problem and requirement</a:t>
+            </a:r>
+            <a:endParaRPr lang="en-US"/>
+          </a:p>
+        </p:txBody>
+      </p:sp>
+      <p:sp>
+        <p:nvSpPr>
+          <p:cNvPr id="3" name="Subtitle 2"/>
+          <p:cNvSpPr>
+            <a:spLocks noGrp="1"/>
+          </p:cNvSpPr>
+          <p:nvPr>
+            <p:ph type="subTitle" idx="1"/>
+          </p:nvPr>
+        </p:nvSpPr>
+        <p:spPr/>
+        <p:txBody>
+          <a:bodyPr/>
+          <a:p>
+            <a:endParaRPr lang="en-US"/>
+          </a:p>
+        </p:txBody>
+      </p:sp>
+    </p:spTree>
+  </p:cSld>
+  <p:clrMapOvr>
+    <a:masterClrMapping/>
+  </p:clrMapOvr>
+</p:sld>
+</file>
+
+<file path=ppt/slides/slide4.xml><?xml version="1.0" encoding="utf-8"?>
 <p:sld xmlns:a="http://schemas.openxmlformats.org/drawingml/2006/main" xmlns:r="http://schemas.openxmlformats.org/officeDocument/2006/relationships" xmlns:p="http://schemas.openxmlformats.org/presentationml/2006/main">
   <p:cSld>
     <p:spTree>
@@ -3448,7 +3611,7 @@
 </p:sld>
 </file>
 
-<file path=ppt/slides/slide4.xml><?xml version="1.0" encoding="utf-8"?>
+<file path=ppt/slides/slide5.xml><?xml version="1.0" encoding="utf-8"?>
 <p:sld xmlns:a="http://schemas.openxmlformats.org/drawingml/2006/main" xmlns:r="http://schemas.openxmlformats.org/officeDocument/2006/relationships" xmlns:p="http://schemas.openxmlformats.org/presentationml/2006/main">
   <p:cSld>
     <p:spTree>
@@ -3549,7 +3712,7 @@
 </p:sld>
 </file>
 
-<file path=ppt/slides/slide5.xml><?xml version="1.0" encoding="utf-8"?>
+<file path=ppt/slides/slide6.xml><?xml version="1.0" encoding="utf-8"?>
 <p:sld xmlns:a="http://schemas.openxmlformats.org/drawingml/2006/main" xmlns:r="http://schemas.openxmlformats.org/officeDocument/2006/relationships" xmlns:p="http://schemas.openxmlformats.org/presentationml/2006/main">
   <p:cSld>
     <p:spTree>
@@ -3643,7 +3806,7 @@
 </p:sld>
 </file>
 
-<file path=ppt/slides/slide6.xml><?xml version="1.0" encoding="utf-8"?>
+<file path=ppt/slides/slide7.xml><?xml version="1.0" encoding="utf-8"?>
 <p:sld xmlns:a="http://schemas.openxmlformats.org/drawingml/2006/main" xmlns:r="http://schemas.openxmlformats.org/officeDocument/2006/relationships" xmlns:p="http://schemas.openxmlformats.org/presentationml/2006/main">
   <p:cSld>
     <p:spTree>
@@ -3765,98 +3928,6 @@
 </p:sld>
 </file>
 
-<file path=ppt/slides/slide7.xml><?xml version="1.0" encoding="utf-8"?>
-<p:sld xmlns:a="http://schemas.openxmlformats.org/drawingml/2006/main" xmlns:r="http://schemas.openxmlformats.org/officeDocument/2006/relationships" xmlns:p="http://schemas.openxmlformats.org/presentationml/2006/main">
-  <p:cSld>
-    <p:spTree>
-      <p:nvGrpSpPr>
-        <p:cNvPr id="1" name=""/>
-        <p:cNvGrpSpPr/>
-        <p:nvPr/>
-      </p:nvGrpSpPr>
-      <p:grpSpPr/>
-      <p:sp>
-        <p:nvSpPr>
-          <p:cNvPr id="2" name="Title 1"/>
-          <p:cNvSpPr>
-            <a:spLocks noGrp="1"/>
-          </p:cNvSpPr>
-          <p:nvPr>
-            <p:ph type="title"/>
-          </p:nvPr>
-        </p:nvSpPr>
-        <p:spPr/>
-        <p:txBody>
-          <a:bodyPr>
-            <a:normAutofit fontScale="90000"/>
-          </a:bodyPr>
-          <a:p>
-            <a:r>
-              <a:rPr lang="en-US" b="1"/>
-              <a:t>Fourth Requirement(filtering by behavioral parameter) or passing behaviour as parameter</a:t>
-            </a:r>
-            <a:endParaRPr lang="en-US" b="1"/>
-          </a:p>
-        </p:txBody>
-      </p:sp>
-      <p:sp>
-        <p:nvSpPr>
-          <p:cNvPr id="3" name="Content Placeholder 2"/>
-          <p:cNvSpPr>
-            <a:spLocks noGrp="1"/>
-          </p:cNvSpPr>
-          <p:nvPr>
-            <p:ph idx="1"/>
-          </p:nvPr>
-        </p:nvSpPr>
-        <p:spPr/>
-        <p:txBody>
-          <a:bodyPr/>
-          <a:p>
-            <a:r>
-              <a:rPr lang="en-US"/>
-              <a:t>In previous example, we usually filtered elements from collection. These filters returned a boolean values.</a:t>
-            </a:r>
-            <a:endParaRPr lang="en-US"/>
-          </a:p>
-          <a:p>
-            <a:r>
-              <a:rPr lang="en-US"/>
-              <a:t>We call this a predicate (that is, a function that returns a boolean)</a:t>
-            </a:r>
-            <a:endParaRPr lang="en-US"/>
-          </a:p>
-          <a:p>
-            <a:r>
-              <a:rPr lang="en-US"/>
-              <a:t>Therefore going one step back, lets define a predicate that returns a boolean value.</a:t>
-            </a:r>
-            <a:endParaRPr lang="en-US"/>
-          </a:p>
-          <a:p>
-            <a:r>
-              <a:rPr lang="en-US"/>
-              <a:t>This predicate can be used generally for both size and color.</a:t>
-            </a:r>
-            <a:endParaRPr lang="en-US"/>
-          </a:p>
-          <a:p>
-            <a:r>
-              <a:rPr lang="en-US"/>
-              <a:t>see next slide.....</a:t>
-            </a:r>
-            <a:endParaRPr lang="en-US"/>
-          </a:p>
-        </p:txBody>
-      </p:sp>
-    </p:spTree>
-  </p:cSld>
-  <p:clrMapOvr>
-    <a:masterClrMapping/>
-  </p:clrMapOvr>
-</p:sld>
-</file>
-
 <file path=ppt/slides/slide8.xml><?xml version="1.0" encoding="utf-8"?>
 <p:sld xmlns:a="http://schemas.openxmlformats.org/drawingml/2006/main" xmlns:r="http://schemas.openxmlformats.org/officeDocument/2006/relationships" xmlns:p="http://schemas.openxmlformats.org/presentationml/2006/main">
   <p:cSld>
@@ -3877,81 +3948,70 @@
             <p:ph type="title"/>
           </p:nvPr>
         </p:nvSpPr>
-        <p:spPr>
-          <a:xfrm>
-            <a:off x="294640" y="889000"/>
-            <a:ext cx="11059160" cy="1717675"/>
-          </a:xfrm>
-        </p:spPr>
+        <p:spPr/>
         <p:txBody>
           <a:bodyPr>
-            <a:noAutofit/>
+            <a:normAutofit fontScale="90000"/>
           </a:bodyPr>
           <a:p>
             <a:r>
-              <a:rPr lang="en-US" sz="2800"/>
-              <a:t>What you just did is related to the</a:t>
-            </a:r>
-            <a:r>
-              <a:rPr lang="en-US" sz="2800" b="1">
-                <a:highlight>
-                  <a:srgbClr val="FFFF00"/>
-                </a:highlight>
-              </a:rPr>
-              <a:t> strategy design pattern </a:t>
-            </a:r>
-            <a:r>
-              <a:rPr lang="en-US" sz="2800"/>
-              <a:t>which lets you define a family of algorithms, encapsulateeach algorithm (called a strategy), and select an algorithm at run-time.</a:t>
-            </a:r>
-            <a:br>
-              <a:rPr lang="en-US" sz="2800"/>
-            </a:br>
-            <a:br>
-              <a:rPr lang="en-US" sz="2800"/>
-            </a:br>
-            <a:r>
-              <a:rPr lang="en-US" sz="2800"/>
-              <a:t> In this case the family of algorithms is ApplePredicate and the different strategies are AppleHeavyWeightPredicate and</a:t>
-            </a:r>
-            <a:br>
-              <a:rPr lang="en-US" sz="2800"/>
-            </a:br>
-            <a:r>
-              <a:rPr lang="en-US" sz="2800"/>
-              <a:t>AppleGreenColorPredicate</a:t>
-            </a:r>
-            <a:endParaRPr lang="en-US" sz="2800"/>
-          </a:p>
-        </p:txBody>
-      </p:sp>
-      <p:pic>
-        <p:nvPicPr>
-          <p:cNvPr id="4" name="Content Placeholder 3"/>
-          <p:cNvPicPr>
-            <a:picLocks noChangeAspect="1"/>
-          </p:cNvPicPr>
+              <a:rPr lang="en-US" b="1"/>
+              <a:t>Fourth Requirement(filtering by behavioral parameter) or passing behaviour as parameter</a:t>
+            </a:r>
+            <a:endParaRPr lang="en-US" b="1"/>
+          </a:p>
+        </p:txBody>
+      </p:sp>
+      <p:sp>
+        <p:nvSpPr>
+          <p:cNvPr id="3" name="Content Placeholder 2"/>
+          <p:cNvSpPr>
+            <a:spLocks noGrp="1"/>
+          </p:cNvSpPr>
           <p:nvPr>
             <p:ph idx="1"/>
           </p:nvPr>
-        </p:nvPicPr>
-        <p:blipFill>
-          <a:blip r:embed="rId1"/>
-          <a:srcRect b="14322"/>
-          <a:stretch>
-            <a:fillRect/>
-          </a:stretch>
-        </p:blipFill>
-        <p:spPr>
-          <a:xfrm>
-            <a:off x="1581150" y="3533775"/>
-            <a:ext cx="9029700" cy="2997200"/>
-          </a:xfrm>
-          <a:prstGeom prst="rect">
-            <a:avLst/>
-          </a:prstGeom>
-        </p:spPr>
-      </p:pic>
+        </p:nvSpPr>
+        <p:spPr/>
+        <p:txBody>
+          <a:bodyPr/>
+          <a:p>
+            <a:r>
+              <a:rPr lang="en-US"/>
+              <a:t>In previous example, we usually filtered elements from collection. These filters returned a boolean values.</a:t>
+            </a:r>
+            <a:endParaRPr lang="en-US"/>
+          </a:p>
+          <a:p>
+            <a:r>
+              <a:rPr lang="en-US"/>
+              <a:t>We call this a predicate (that is, a function that returns a boolean)</a:t>
+            </a:r>
+            <a:endParaRPr lang="en-US"/>
+          </a:p>
+          <a:p>
+            <a:r>
+              <a:rPr lang="en-US"/>
+              <a:t>Therefore going one step back, lets define a predicate that returns a boolean value.</a:t>
+            </a:r>
+            <a:endParaRPr lang="en-US"/>
+          </a:p>
+          <a:p>
+            <a:r>
+              <a:rPr lang="en-US"/>
+              <a:t>This predicate can be used generally for both size and color.</a:t>
+            </a:r>
+            <a:endParaRPr lang="en-US"/>
+          </a:p>
+          <a:p>
+            <a:r>
+              <a:rPr lang="en-US"/>
+              <a:t>see next slide.....</a:t>
+            </a:r>
+            <a:endParaRPr lang="en-US"/>
+          </a:p>
+        </p:txBody>
+      </p:sp>
     </p:spTree>
   </p:cSld>
   <p:clrMapOvr>
@@ -3982,18 +4042,49 @@
         </p:nvSpPr>
         <p:spPr>
           <a:xfrm>
-            <a:off x="554990" y="3065145"/>
-            <a:ext cx="10515600" cy="1325563"/>
+            <a:off x="294640" y="889000"/>
+            <a:ext cx="11059160" cy="1717675"/>
           </a:xfrm>
         </p:spPr>
         <p:txBody>
-          <a:bodyPr/>
-          <a:p>
-            <a:r>
-              <a:rPr lang="en-US"/>
-              <a:t>Client code</a:t>
-            </a:r>
-            <a:endParaRPr lang="en-US"/>
+          <a:bodyPr>
+            <a:noAutofit/>
+          </a:bodyPr>
+          <a:p>
+            <a:r>
+              <a:rPr lang="en-US" sz="2800"/>
+              <a:t>What you just did is related to the</a:t>
+            </a:r>
+            <a:r>
+              <a:rPr lang="en-US" sz="2800" b="1">
+                <a:highlight>
+                  <a:srgbClr val="FFFF00"/>
+                </a:highlight>
+              </a:rPr>
+              <a:t> strategy design pattern </a:t>
+            </a:r>
+            <a:r>
+              <a:rPr lang="en-US" sz="2800"/>
+              <a:t>which lets you define a family of algorithms, encapsulateeach algorithm (called a strategy), and select an algorithm at run-time.</a:t>
+            </a:r>
+            <a:br>
+              <a:rPr lang="en-US" sz="2800"/>
+            </a:br>
+            <a:br>
+              <a:rPr lang="en-US" sz="2800"/>
+            </a:br>
+            <a:r>
+              <a:rPr lang="en-US" sz="2800"/>
+              <a:t> In this case the family of algorithms is ApplePredicate and the different strategies are AppleHeavyWeightPredicate and</a:t>
+            </a:r>
+            <a:br>
+              <a:rPr lang="en-US" sz="2800"/>
+            </a:br>
+            <a:r>
+              <a:rPr lang="en-US" sz="2800"/>
+              <a:t>AppleGreenColorPredicate</a:t>
+            </a:r>
+            <a:endParaRPr lang="en-US" sz="2800"/>
           </a:p>
         </p:txBody>
       </p:sp>
@@ -4009,39 +4100,15 @@
         </p:nvPicPr>
         <p:blipFill>
           <a:blip r:embed="rId1"/>
-          <a:srcRect r="7569"/>
+          <a:srcRect b="14322"/>
           <a:stretch>
             <a:fillRect/>
           </a:stretch>
         </p:blipFill>
         <p:spPr>
           <a:xfrm>
-            <a:off x="4099560" y="39370"/>
-            <a:ext cx="5560695" cy="4351655"/>
-          </a:xfrm>
-          <a:prstGeom prst="rect">
-            <a:avLst/>
-          </a:prstGeom>
-        </p:spPr>
-      </p:pic>
-      <p:pic>
-        <p:nvPicPr>
-          <p:cNvPr id="5" name="Picture 4"/>
-          <p:cNvPicPr>
-            <a:picLocks noChangeAspect="1"/>
-          </p:cNvPicPr>
-          <p:nvPr/>
-        </p:nvPicPr>
-        <p:blipFill>
-          <a:blip r:embed="rId2"/>
-          <a:stretch>
-            <a:fillRect/>
-          </a:stretch>
-        </p:blipFill>
-        <p:spPr>
-          <a:xfrm>
-            <a:off x="-179070" y="3204845"/>
-            <a:ext cx="10198100" cy="4152900"/>
+            <a:off x="1581150" y="3533775"/>
+            <a:ext cx="9029700" cy="2997200"/>
           </a:xfrm>
           <a:prstGeom prst="rect">
             <a:avLst/>

--- a/Java8/CH02_BehaviorParameterization/Behavior_Parameterization.pptx
+++ b/Java8/CH02_BehaviorParameterization/Behavior_Parameterization.pptx
@@ -19,6 +19,7 @@
     <p:sldId id="278" r:id="rId14"/>
     <p:sldId id="279" r:id="rId15"/>
     <p:sldId id="280" r:id="rId16"/>
+    <p:sldId id="295" r:id="rId17"/>
   </p:sldIdLst>
   <p:sldSz cx="12192000" cy="6858000"/>
   <p:notesSz cx="6858000" cy="9144000"/>
@@ -3378,6 +3379,72 @@
 </p:sld>
 </file>
 
+<file path=ppt/slides/slide15.xml><?xml version="1.0" encoding="utf-8"?>
+<p:sld xmlns:a="http://schemas.openxmlformats.org/drawingml/2006/main" xmlns:r="http://schemas.openxmlformats.org/officeDocument/2006/relationships" xmlns:p="http://schemas.openxmlformats.org/presentationml/2006/main">
+  <p:cSld>
+    <p:spTree>
+      <p:nvGrpSpPr>
+        <p:cNvPr id="1" name=""/>
+        <p:cNvGrpSpPr/>
+        <p:nvPr/>
+      </p:nvGrpSpPr>
+      <p:grpSpPr/>
+      <p:sp>
+        <p:nvSpPr>
+          <p:cNvPr id="2" name="Title 1"/>
+          <p:cNvSpPr>
+            <a:spLocks noGrp="1"/>
+          </p:cNvSpPr>
+          <p:nvPr>
+            <p:ph type="title"/>
+          </p:nvPr>
+        </p:nvSpPr>
+        <p:spPr/>
+        <p:txBody>
+          <a:bodyPr/>
+          <a:p>
+            <a:r>
+              <a:rPr lang="en-US"/>
+              <a:t>abstraction</a:t>
+            </a:r>
+            <a:endParaRPr lang="en-US"/>
+          </a:p>
+        </p:txBody>
+      </p:sp>
+      <p:pic>
+        <p:nvPicPr>
+          <p:cNvPr id="4" name="Content Placeholder 3"/>
+          <p:cNvPicPr>
+            <a:picLocks noChangeAspect="1"/>
+          </p:cNvPicPr>
+          <p:nvPr>
+            <p:ph idx="1"/>
+          </p:nvPr>
+        </p:nvPicPr>
+        <p:blipFill>
+          <a:blip r:embed="rId1"/>
+          <a:stretch>
+            <a:fillRect/>
+          </a:stretch>
+        </p:blipFill>
+        <p:spPr>
+          <a:xfrm>
+            <a:off x="1617980" y="1825625"/>
+            <a:ext cx="8955405" cy="4351655"/>
+          </a:xfrm>
+          <a:prstGeom prst="rect">
+            <a:avLst/>
+          </a:prstGeom>
+        </p:spPr>
+      </p:pic>
+    </p:spTree>
+  </p:cSld>
+  <p:clrMapOvr>
+    <a:masterClrMapping/>
+  </p:clrMapOvr>
+</p:sld>
+</file>
+
 <file path=ppt/slides/slide2.xml><?xml version="1.0" encoding="utf-8"?>
 <p:sld xmlns:a="http://schemas.openxmlformats.org/drawingml/2006/main" xmlns:r="http://schemas.openxmlformats.org/officeDocument/2006/relationships" xmlns:p="http://schemas.openxmlformats.org/presentationml/2006/main">
   <p:cSld>
